--- a/ppt/Terminal_Application.pptx
+++ b/ppt/Terminal_Application.pptx
@@ -5,7 +5,7 @@
     <p:sldMasterId id="2147483648" r:id="rId1"/>
   </p:sldMasterIdLst>
   <p:notesMasterIdLst>
-    <p:notesMasterId r:id="rId11"/>
+    <p:notesMasterId r:id="rId12"/>
   </p:notesMasterIdLst>
   <p:sldIdLst>
     <p:sldId id="256" r:id="rId2"/>
@@ -17,6 +17,7 @@
     <p:sldId id="304" r:id="rId8"/>
     <p:sldId id="306" r:id="rId9"/>
     <p:sldId id="307" r:id="rId10"/>
+    <p:sldId id="308" r:id="rId11"/>
   </p:sldIdLst>
   <p:sldSz cx="12192000" cy="6858000"/>
   <p:notesSz cx="6858000" cy="9144000"/>
@@ -115,6 +116,11 @@
       </a:defRPr>
     </a:lvl9pPr>
   </p:defaultTextStyle>
+  <p:extLst>
+    <p:ext uri="{EFAFB233-063F-42B5-8137-9DF3F51BA10A}">
+      <p15:sldGuideLst xmlns:p15="http://schemas.microsoft.com/office/powerpoint/2012/main"/>
+    </p:ext>
+  </p:extLst>
 </p:presentation>
 </file>
 
@@ -200,7 +206,7 @@
           <a:p>
             <a:fld id="{8AA4E1D7-95F3-4D42-A4AA-367212553006}" type="datetimeFigureOut">
               <a:rPr lang="en-US" smtClean="0"/>
-              <a:t>4/15/22</a:t>
+              <a:t>4/18/22</a:t>
             </a:fld>
             <a:endParaRPr lang="en-US"/>
           </a:p>
@@ -572,6 +578,115 @@
 </p:notes>
 </file>
 
+<file path=ppt/notesSlides/notesSlide10.xml><?xml version="1.0" encoding="utf-8"?>
+<p:notes xmlns:a="http://schemas.openxmlformats.org/drawingml/2006/main" xmlns:r="http://schemas.openxmlformats.org/officeDocument/2006/relationships" xmlns:p="http://schemas.openxmlformats.org/presentationml/2006/main" showMasterSp="0" showMasterPhAnim="0">
+  <p:cSld>
+    <p:spTree>
+      <p:nvGrpSpPr>
+        <p:cNvPr id="1" name="Shape 519"/>
+        <p:cNvGrpSpPr/>
+        <p:nvPr/>
+      </p:nvGrpSpPr>
+      <p:grpSpPr>
+        <a:xfrm>
+          <a:off x="0" y="0"/>
+          <a:ext cx="0" cy="0"/>
+          <a:chOff x="0" y="0"/>
+          <a:chExt cx="0" cy="0"/>
+        </a:xfrm>
+      </p:grpSpPr>
+      <p:sp>
+        <p:nvSpPr>
+          <p:cNvPr id="520" name="Google Shape;520;g35f391192_017:notes"/>
+          <p:cNvSpPr>
+            <a:spLocks noGrp="1" noRot="1" noChangeAspect="1"/>
+          </p:cNvSpPr>
+          <p:nvPr>
+            <p:ph type="sldImg" idx="2"/>
+          </p:nvPr>
+        </p:nvSpPr>
+        <p:spPr>
+          <a:xfrm>
+            <a:off x="381000" y="685800"/>
+            <a:ext cx="6096000" cy="3429000"/>
+          </a:xfrm>
+          <a:custGeom>
+            <a:avLst/>
+            <a:gdLst/>
+            <a:ahLst/>
+            <a:cxnLst/>
+            <a:rect l="l" t="t" r="r" b="b"/>
+            <a:pathLst>
+              <a:path w="120000" h="120000" extrusionOk="0">
+                <a:moveTo>
+                  <a:pt x="0" y="0"/>
+                </a:moveTo>
+                <a:lnTo>
+                  <a:pt x="120000" y="0"/>
+                </a:lnTo>
+                <a:lnTo>
+                  <a:pt x="120000" y="120000"/>
+                </a:lnTo>
+                <a:lnTo>
+                  <a:pt x="0" y="120000"/>
+                </a:lnTo>
+                <a:close/>
+              </a:path>
+            </a:pathLst>
+          </a:custGeom>
+        </p:spPr>
+      </p:sp>
+      <p:sp>
+        <p:nvSpPr>
+          <p:cNvPr id="521" name="Google Shape;521;g35f391192_017:notes"/>
+          <p:cNvSpPr txBox="1">
+            <a:spLocks noGrp="1"/>
+          </p:cNvSpPr>
+          <p:nvPr>
+            <p:ph type="body" idx="1"/>
+          </p:nvPr>
+        </p:nvSpPr>
+        <p:spPr>
+          <a:xfrm>
+            <a:off x="685800" y="4343400"/>
+            <a:ext cx="5486400" cy="4114800"/>
+          </a:xfrm>
+          <a:prstGeom prst="rect">
+            <a:avLst/>
+          </a:prstGeom>
+        </p:spPr>
+        <p:txBody>
+          <a:bodyPr spcFirstLastPara="1" wrap="square" lIns="91425" tIns="91425" rIns="91425" bIns="91425" anchor="t" anchorCtr="0">
+            <a:noAutofit/>
+          </a:bodyPr>
+          <a:lstStyle/>
+          <a:p>
+            <a:pPr marL="0" lvl="0" indent="0" algn="l" rtl="0">
+              <a:spcBef>
+                <a:spcPts val="0"/>
+              </a:spcBef>
+              <a:spcAft>
+                <a:spcPts val="0"/>
+              </a:spcAft>
+              <a:buNone/>
+            </a:pPr>
+            <a:endParaRPr/>
+          </a:p>
+        </p:txBody>
+      </p:sp>
+    </p:spTree>
+    <p:extLst>
+      <p:ext uri="{BB962C8B-B14F-4D97-AF65-F5344CB8AC3E}">
+        <p14:creationId xmlns:p14="http://schemas.microsoft.com/office/powerpoint/2010/main" val="112944390"/>
+      </p:ext>
+    </p:extLst>
+  </p:cSld>
+  <p:clrMapOvr>
+    <a:masterClrMapping/>
+  </p:clrMapOvr>
+</p:notes>
+</file>
+
 <file path=ppt/notesSlides/notesSlide2.xml><?xml version="1.0" encoding="utf-8"?>
 <p:notes xmlns:a="http://schemas.openxmlformats.org/drawingml/2006/main" xmlns:r="http://schemas.openxmlformats.org/officeDocument/2006/relationships" xmlns:p="http://schemas.openxmlformats.org/presentationml/2006/main" showMasterSp="0" showMasterPhAnim="0">
   <p:cSld>
@@ -1578,7 +1693,7 @@
           <a:p>
             <a:fld id="{FF3A737C-B925-1B4B-8B62-E0FFF5ABF4F3}" type="datetimeFigureOut">
               <a:rPr lang="en-US" smtClean="0"/>
-              <a:t>4/15/22</a:t>
+              <a:t>4/18/22</a:t>
             </a:fld>
             <a:endParaRPr lang="en-US"/>
           </a:p>
@@ -1778,7 +1893,7 @@
           <a:p>
             <a:fld id="{FF3A737C-B925-1B4B-8B62-E0FFF5ABF4F3}" type="datetimeFigureOut">
               <a:rPr lang="en-US" smtClean="0"/>
-              <a:t>4/15/22</a:t>
+              <a:t>4/18/22</a:t>
             </a:fld>
             <a:endParaRPr lang="en-US"/>
           </a:p>
@@ -1988,7 +2103,7 @@
           <a:p>
             <a:fld id="{FF3A737C-B925-1B4B-8B62-E0FFF5ABF4F3}" type="datetimeFigureOut">
               <a:rPr lang="en-US" smtClean="0"/>
-              <a:t>4/15/22</a:t>
+              <a:t>4/18/22</a:t>
             </a:fld>
             <a:endParaRPr lang="en-US"/>
           </a:p>
@@ -8462,7 +8577,7 @@
           <a:p>
             <a:fld id="{FF3A737C-B925-1B4B-8B62-E0FFF5ABF4F3}" type="datetimeFigureOut">
               <a:rPr lang="en-US" smtClean="0"/>
-              <a:t>4/15/22</a:t>
+              <a:t>4/18/22</a:t>
             </a:fld>
             <a:endParaRPr lang="en-US"/>
           </a:p>
@@ -8738,7 +8853,7 @@
           <a:p>
             <a:fld id="{FF3A737C-B925-1B4B-8B62-E0FFF5ABF4F3}" type="datetimeFigureOut">
               <a:rPr lang="en-US" smtClean="0"/>
-              <a:t>4/15/22</a:t>
+              <a:t>4/18/22</a:t>
             </a:fld>
             <a:endParaRPr lang="en-US"/>
           </a:p>
@@ -9006,7 +9121,7 @@
           <a:p>
             <a:fld id="{FF3A737C-B925-1B4B-8B62-E0FFF5ABF4F3}" type="datetimeFigureOut">
               <a:rPr lang="en-US" smtClean="0"/>
-              <a:t>4/15/22</a:t>
+              <a:t>4/18/22</a:t>
             </a:fld>
             <a:endParaRPr lang="en-US"/>
           </a:p>
@@ -9421,7 +9536,7 @@
           <a:p>
             <a:fld id="{FF3A737C-B925-1B4B-8B62-E0FFF5ABF4F3}" type="datetimeFigureOut">
               <a:rPr lang="en-US" smtClean="0"/>
-              <a:t>4/15/22</a:t>
+              <a:t>4/18/22</a:t>
             </a:fld>
             <a:endParaRPr lang="en-US"/>
           </a:p>
@@ -9563,7 +9678,7 @@
           <a:p>
             <a:fld id="{FF3A737C-B925-1B4B-8B62-E0FFF5ABF4F3}" type="datetimeFigureOut">
               <a:rPr lang="en-US" smtClean="0"/>
-              <a:t>4/15/22</a:t>
+              <a:t>4/18/22</a:t>
             </a:fld>
             <a:endParaRPr lang="en-US"/>
           </a:p>
@@ -9676,7 +9791,7 @@
           <a:p>
             <a:fld id="{FF3A737C-B925-1B4B-8B62-E0FFF5ABF4F3}" type="datetimeFigureOut">
               <a:rPr lang="en-US" smtClean="0"/>
-              <a:t>4/15/22</a:t>
+              <a:t>4/18/22</a:t>
             </a:fld>
             <a:endParaRPr lang="en-US"/>
           </a:p>
@@ -9989,7 +10104,7 @@
           <a:p>
             <a:fld id="{FF3A737C-B925-1B4B-8B62-E0FFF5ABF4F3}" type="datetimeFigureOut">
               <a:rPr lang="en-US" smtClean="0"/>
-              <a:t>4/15/22</a:t>
+              <a:t>4/18/22</a:t>
             </a:fld>
             <a:endParaRPr lang="en-US"/>
           </a:p>
@@ -10278,7 +10393,7 @@
           <a:p>
             <a:fld id="{FF3A737C-B925-1B4B-8B62-E0FFF5ABF4F3}" type="datetimeFigureOut">
               <a:rPr lang="en-US" smtClean="0"/>
-              <a:t>4/15/22</a:t>
+              <a:t>4/18/22</a:t>
             </a:fld>
             <a:endParaRPr lang="en-US"/>
           </a:p>
@@ -10521,7 +10636,7 @@
           <a:p>
             <a:fld id="{FF3A737C-B925-1B4B-8B62-E0FFF5ABF4F3}" type="datetimeFigureOut">
               <a:rPr lang="en-US" smtClean="0"/>
-              <a:t>4/15/22</a:t>
+              <a:t>4/18/22</a:t>
             </a:fld>
             <a:endParaRPr lang="en-US"/>
           </a:p>
@@ -10982,6 +11097,128 @@
         </p:txBody>
       </p:sp>
     </p:spTree>
+  </p:cSld>
+  <p:clrMapOvr>
+    <a:masterClrMapping/>
+  </p:clrMapOvr>
+</p:sld>
+</file>
+
+<file path=ppt/slides/slide10.xml><?xml version="1.0" encoding="utf-8"?>
+<p:sld xmlns:a="http://schemas.openxmlformats.org/drawingml/2006/main" xmlns:r="http://schemas.openxmlformats.org/officeDocument/2006/relationships" xmlns:p="http://schemas.openxmlformats.org/presentationml/2006/main">
+  <p:cSld>
+    <p:spTree>
+      <p:nvGrpSpPr>
+        <p:cNvPr id="1" name="Shape 522"/>
+        <p:cNvGrpSpPr/>
+        <p:nvPr/>
+      </p:nvGrpSpPr>
+      <p:grpSpPr>
+        <a:xfrm>
+          <a:off x="0" y="0"/>
+          <a:ext cx="0" cy="0"/>
+          <a:chOff x="0" y="0"/>
+          <a:chExt cx="0" cy="0"/>
+        </a:xfrm>
+      </p:grpSpPr>
+      <p:sp>
+        <p:nvSpPr>
+          <p:cNvPr id="524" name="Google Shape;524;p20"/>
+          <p:cNvSpPr txBox="1">
+            <a:spLocks noGrp="1"/>
+          </p:cNvSpPr>
+          <p:nvPr>
+            <p:ph type="title"/>
+          </p:nvPr>
+        </p:nvSpPr>
+        <p:spPr>
+          <a:xfrm>
+            <a:off x="1373025" y="1212030"/>
+            <a:ext cx="9445950" cy="1664519"/>
+          </a:xfrm>
+          <a:prstGeom prst="rect">
+            <a:avLst/>
+          </a:prstGeom>
+        </p:spPr>
+        <p:txBody>
+          <a:bodyPr spcFirstLastPara="1" vert="horz" wrap="square" lIns="121900" tIns="121900" rIns="121900" bIns="121900" rtlCol="0" anchor="b" anchorCtr="0">
+            <a:noAutofit/>
+          </a:bodyPr>
+          <a:lstStyle/>
+          <a:p>
+            <a:pPr algn="ctr"/>
+            <a:br>
+              <a:rPr lang="en" dirty="0">
+                <a:solidFill>
+                  <a:schemeClr val="accent1">
+                    <a:lumMod val="60000"/>
+                    <a:lumOff val="40000"/>
+                  </a:schemeClr>
+                </a:solidFill>
+              </a:rPr>
+            </a:br>
+            <a:r>
+              <a:rPr lang="en" dirty="0">
+                <a:solidFill>
+                  <a:schemeClr val="accent1">
+                    <a:lumMod val="60000"/>
+                    <a:lumOff val="40000"/>
+                  </a:schemeClr>
+                </a:solidFill>
+              </a:rPr>
+              <a:t>The end</a:t>
+            </a:r>
+            <a:endParaRPr dirty="0">
+              <a:solidFill>
+                <a:schemeClr val="accent1">
+                  <a:lumMod val="60000"/>
+                  <a:lumOff val="40000"/>
+                </a:schemeClr>
+              </a:solidFill>
+            </a:endParaRPr>
+          </a:p>
+        </p:txBody>
+      </p:sp>
+      <p:sp>
+        <p:nvSpPr>
+          <p:cNvPr id="526" name="Google Shape;526;p20"/>
+          <p:cNvSpPr txBox="1">
+            <a:spLocks noGrp="1"/>
+          </p:cNvSpPr>
+          <p:nvPr>
+            <p:ph type="sldNum" idx="12"/>
+          </p:nvPr>
+        </p:nvSpPr>
+        <p:spPr>
+          <a:xfrm>
+            <a:off x="11409033" y="6434933"/>
+            <a:ext cx="731600" cy="423200"/>
+          </a:xfrm>
+          <a:prstGeom prst="rect">
+            <a:avLst/>
+          </a:prstGeom>
+        </p:spPr>
+        <p:txBody>
+          <a:bodyPr spcFirstLastPara="1" vert="horz" wrap="square" lIns="121900" tIns="121900" rIns="121900" bIns="121900" rtlCol="0" anchor="t" anchorCtr="0">
+            <a:noAutofit/>
+          </a:bodyPr>
+          <a:lstStyle/>
+          <a:p>
+            <a:fld id="{00000000-1234-1234-1234-123412341234}" type="slidenum">
+              <a:rPr lang="en"/>
+              <a:pPr/>
+              <a:t>10</a:t>
+            </a:fld>
+            <a:endParaRPr/>
+          </a:p>
+        </p:txBody>
+      </p:sp>
+    </p:spTree>
+    <p:extLst>
+      <p:ext uri="{BB962C8B-B14F-4D97-AF65-F5344CB8AC3E}">
+        <p14:creationId xmlns:p14="http://schemas.microsoft.com/office/powerpoint/2010/main" val="1722661225"/>
+      </p:ext>
+    </p:extLst>
   </p:cSld>
   <p:clrMapOvr>
     <a:masterClrMapping/>
